--- a/CSE111_ProjectUpdated.pptx
+++ b/CSE111_ProjectUpdated.pptx
@@ -1100,7 +1100,7 @@
   <p:cSld>
     <p:spTree>
       <p:nvGrpSpPr>
-        <p:cNvPr id="121" name="Shape 121"/>
+        <p:cNvPr id="126" name="Shape 126"/>
         <p:cNvGrpSpPr/>
         <p:nvPr/>
       </p:nvGrpSpPr>
@@ -1114,7 +1114,7 @@
       </p:grpSpPr>
       <p:sp>
         <p:nvSpPr>
-          <p:cNvPr id="122" name="Google Shape;122;g16b0ca37848_0_165:notes"/>
+          <p:cNvPr id="127" name="Google Shape;127;g16b0ca37848_0_165:notes"/>
           <p:cNvSpPr/>
           <p:nvPr>
             <p:ph idx="2" type="sldImg"/>
@@ -1149,7 +1149,7 @@
       </p:sp>
       <p:sp>
         <p:nvSpPr>
-          <p:cNvPr id="123" name="Google Shape;123;g16b0ca37848_0_165:notes"/>
+          <p:cNvPr id="128" name="Google Shape;128;g16b0ca37848_0_165:notes"/>
           <p:cNvSpPr txBox="1"/>
           <p:nvPr>
             <p:ph idx="1" type="body"/>
@@ -1214,7 +1214,7 @@
   <p:cSld>
     <p:spTree>
       <p:nvGrpSpPr>
-        <p:cNvPr id="127" name="Shape 127"/>
+        <p:cNvPr id="132" name="Shape 132"/>
         <p:cNvGrpSpPr/>
         <p:nvPr/>
       </p:nvGrpSpPr>
@@ -1228,7 +1228,7 @@
       </p:grpSpPr>
       <p:sp>
         <p:nvSpPr>
-          <p:cNvPr id="128" name="Google Shape;128;g1603d1cc2b6_0_15:notes"/>
+          <p:cNvPr id="133" name="Google Shape;133;g1603d1cc2b6_0_15:notes"/>
           <p:cNvSpPr/>
           <p:nvPr>
             <p:ph idx="2" type="sldImg"/>
@@ -1263,7 +1263,7 @@
       </p:sp>
       <p:sp>
         <p:nvSpPr>
-          <p:cNvPr id="129" name="Google Shape;129;g1603d1cc2b6_0_15:notes"/>
+          <p:cNvPr id="134" name="Google Shape;134;g1603d1cc2b6_0_15:notes"/>
           <p:cNvSpPr txBox="1"/>
           <p:nvPr>
             <p:ph idx="1" type="body"/>
@@ -8089,7 +8089,7 @@
           <p:nvPr/>
         </p:nvGraphicFramePr>
         <p:xfrm>
-          <a:off x="6264600" y="827500"/>
+          <a:off x="6275175" y="618050"/>
           <a:ext cx="3000000" cy="3000000"/>
         </p:xfrm>
         <a:graphic>
@@ -8097,7 +8097,7 @@
             <a:tbl>
               <a:tblPr>
                 <a:noFill/>
-                <a:tableStyleId>{C7E6CFDC-BEEB-473F-80D9-FCCFB421BF3D}</a:tableStyleId>
+                <a:tableStyleId>{2665D0F1-BE63-4A82-B196-FC7E924B4079}</a:tableStyleId>
               </a:tblPr>
               <a:tblGrid>
                 <a:gridCol w="646125"/>
@@ -8241,7 +8241,7 @@
           <p:nvPr/>
         </p:nvGraphicFramePr>
         <p:xfrm>
-          <a:off x="7186138" y="966425"/>
+          <a:off x="7224825" y="1058225"/>
           <a:ext cx="3000000" cy="3000000"/>
         </p:xfrm>
         <a:graphic>
@@ -8249,7 +8249,7 @@
             <a:tbl>
               <a:tblPr>
                 <a:noFill/>
-                <a:tableStyleId>{C7E6CFDC-BEEB-473F-80D9-FCCFB421BF3D}</a:tableStyleId>
+                <a:tableStyleId>{2665D0F1-BE63-4A82-B196-FC7E924B4079}</a:tableStyleId>
               </a:tblPr>
               <a:tblGrid>
                 <a:gridCol w="646125"/>
@@ -8393,7 +8393,7 @@
           <p:nvPr/>
         </p:nvGraphicFramePr>
         <p:xfrm>
-          <a:off x="3556675" y="1816475"/>
+          <a:off x="3559900" y="1639575"/>
           <a:ext cx="3000000" cy="3000000"/>
         </p:xfrm>
         <a:graphic>
@@ -8401,7 +8401,7 @@
             <a:tbl>
               <a:tblPr>
                 <a:noFill/>
-                <a:tableStyleId>{C7E6CFDC-BEEB-473F-80D9-FCCFB421BF3D}</a:tableStyleId>
+                <a:tableStyleId>{2665D0F1-BE63-4A82-B196-FC7E924B4079}</a:tableStyleId>
               </a:tblPr>
               <a:tblGrid>
                 <a:gridCol w="646125"/>
@@ -8543,7 +8543,7 @@
                             <a:srgbClr val="FF0000"/>
                           </a:solidFill>
                         </a:rPr>
-                        <a:t>re_id</a:t>
+                        <a:t>da_id</a:t>
                       </a:r>
                       <a:endParaRPr sz="600">
                         <a:solidFill>
@@ -8591,7 +8591,7 @@
           <p:nvPr/>
         </p:nvGraphicFramePr>
         <p:xfrm>
-          <a:off x="7892800" y="1729963"/>
+          <a:off x="3337750" y="3814063"/>
           <a:ext cx="3000000" cy="3000000"/>
         </p:xfrm>
         <a:graphic>
@@ -8599,7 +8599,7 @@
             <a:tbl>
               <a:tblPr>
                 <a:noFill/>
-                <a:tableStyleId>{C7E6CFDC-BEEB-473F-80D9-FCCFB421BF3D}</a:tableStyleId>
+                <a:tableStyleId>{2665D0F1-BE63-4A82-B196-FC7E924B4079}</a:tableStyleId>
               </a:tblPr>
               <a:tblGrid>
                 <a:gridCol w="646125"/>
@@ -8706,7 +8706,7 @@
             <a:tbl>
               <a:tblPr>
                 <a:noFill/>
-                <a:tableStyleId>{C7E6CFDC-BEEB-473F-80D9-FCCFB421BF3D}</a:tableStyleId>
+                <a:tableStyleId>{2665D0F1-BE63-4A82-B196-FC7E924B4079}</a:tableStyleId>
               </a:tblPr>
               <a:tblGrid>
                 <a:gridCol w="646125"/>
@@ -8797,7 +8797,7 @@
           <p:nvPr/>
         </p:nvGraphicFramePr>
         <p:xfrm>
-          <a:off x="6573888" y="3289200"/>
+          <a:off x="6857238" y="3449275"/>
           <a:ext cx="3000000" cy="3000000"/>
         </p:xfrm>
         <a:graphic>
@@ -8805,12 +8805,12 @@
             <a:tbl>
               <a:tblPr>
                 <a:noFill/>
-                <a:tableStyleId>{C7E6CFDC-BEEB-473F-80D9-FCCFB421BF3D}</a:tableStyleId>
+                <a:tableStyleId>{2665D0F1-BE63-4A82-B196-FC7E924B4079}</a:tableStyleId>
               </a:tblPr>
               <a:tblGrid>
                 <a:gridCol w="646125"/>
               </a:tblGrid>
-              <a:tr h="222075">
+              <a:tr h="263400">
                 <a:tc>
                   <a:txBody>
                     <a:bodyPr/>
@@ -8982,7 +8982,7 @@
             <a:tbl>
               <a:tblPr>
                 <a:noFill/>
-                <a:tableStyleId>{C7E6CFDC-BEEB-473F-80D9-FCCFB421BF3D}</a:tableStyleId>
+                <a:tableStyleId>{2665D0F1-BE63-4A82-B196-FC7E924B4079}</a:tableStyleId>
               </a:tblPr>
               <a:tblGrid>
                 <a:gridCol w="646125"/>
@@ -9432,14 +9432,150 @@
           </a:p>
         </p:txBody>
       </p:sp>
+      <p:cxnSp>
+        <p:nvCxnSpPr>
+          <p:cNvPr id="112" name="Google Shape;112;p16"/>
+          <p:cNvCxnSpPr>
+            <a:stCxn id="103" idx="3"/>
+          </p:cNvCxnSpPr>
+          <p:nvPr/>
+        </p:nvCxnSpPr>
+        <p:spPr>
+          <a:xfrm>
+            <a:off x="5236800" y="2236213"/>
+            <a:ext cx="2336700" cy="782400"/>
+          </a:xfrm>
+          <a:prstGeom prst="straightConnector1">
+            <a:avLst/>
+          </a:prstGeom>
+          <a:noFill/>
+          <a:ln cap="flat" cmpd="sng" w="9525">
+            <a:solidFill>
+              <a:schemeClr val="dk2"/>
+            </a:solidFill>
+            <a:prstDash val="solid"/>
+            <a:round/>
+            <a:headEnd len="med" w="med" type="none"/>
+            <a:tailEnd len="med" w="med" type="none"/>
+          </a:ln>
+        </p:spPr>
+      </p:cxnSp>
+      <p:cxnSp>
+        <p:nvCxnSpPr>
+          <p:cNvPr id="113" name="Google Shape;113;p16"/>
+          <p:cNvCxnSpPr>
+            <a:stCxn id="103" idx="3"/>
+          </p:cNvCxnSpPr>
+          <p:nvPr/>
+        </p:nvCxnSpPr>
+        <p:spPr>
+          <a:xfrm>
+            <a:off x="5236800" y="2236213"/>
+            <a:ext cx="549600" cy="618900"/>
+          </a:xfrm>
+          <a:prstGeom prst="straightConnector1">
+            <a:avLst/>
+          </a:prstGeom>
+          <a:noFill/>
+          <a:ln cap="flat" cmpd="sng" w="9525">
+            <a:solidFill>
+              <a:schemeClr val="dk2"/>
+            </a:solidFill>
+            <a:prstDash val="solid"/>
+            <a:round/>
+            <a:headEnd len="med" w="med" type="none"/>
+            <a:tailEnd len="med" w="med" type="none"/>
+          </a:ln>
+        </p:spPr>
+      </p:cxnSp>
+      <p:cxnSp>
+        <p:nvCxnSpPr>
+          <p:cNvPr id="114" name="Google Shape;114;p16"/>
+          <p:cNvCxnSpPr>
+            <a:stCxn id="103" idx="3"/>
+          </p:cNvCxnSpPr>
+          <p:nvPr/>
+        </p:nvCxnSpPr>
+        <p:spPr>
+          <a:xfrm flipH="1">
+            <a:off x="4969200" y="2236213"/>
+            <a:ext cx="267600" cy="717000"/>
+          </a:xfrm>
+          <a:prstGeom prst="straightConnector1">
+            <a:avLst/>
+          </a:prstGeom>
+          <a:noFill/>
+          <a:ln cap="flat" cmpd="sng" w="9525">
+            <a:solidFill>
+              <a:schemeClr val="dk2"/>
+            </a:solidFill>
+            <a:prstDash val="solid"/>
+            <a:round/>
+            <a:headEnd len="med" w="med" type="none"/>
+            <a:tailEnd len="med" w="med" type="none"/>
+          </a:ln>
+        </p:spPr>
+      </p:cxnSp>
+      <p:sp>
+        <p:nvSpPr>
+          <p:cNvPr id="115" name="Google Shape;115;p16"/>
+          <p:cNvSpPr/>
+          <p:nvPr/>
+        </p:nvSpPr>
+        <p:spPr>
+          <a:xfrm rot="1449764">
+            <a:off x="6480134" y="2653669"/>
+            <a:ext cx="566536" cy="218068"/>
+          </a:xfrm>
+          <a:prstGeom prst="leftArrow">
+            <a:avLst>
+              <a:gd fmla="val 50000" name="adj1"/>
+              <a:gd fmla="val 50000" name="adj2"/>
+            </a:avLst>
+          </a:prstGeom>
+          <a:solidFill>
+            <a:schemeClr val="lt2"/>
+          </a:solidFill>
+          <a:ln cap="flat" cmpd="sng" w="9525">
+            <a:solidFill>
+              <a:schemeClr val="dk2"/>
+            </a:solidFill>
+            <a:prstDash val="solid"/>
+            <a:round/>
+            <a:headEnd len="sm" w="sm" type="none"/>
+            <a:tailEnd len="sm" w="sm" type="none"/>
+          </a:ln>
+        </p:spPr>
+        <p:txBody>
+          <a:bodyPr anchorCtr="0" anchor="ctr" bIns="91425" lIns="91425" spcFirstLastPara="1" rIns="91425" wrap="square" tIns="91425">
+            <a:noAutofit/>
+          </a:bodyPr>
+          <a:lstStyle/>
+          <a:p>
+            <a:pPr indent="0" lvl="0" marL="0" rtl="0" algn="l">
+              <a:spcBef>
+                <a:spcPts val="0"/>
+              </a:spcBef>
+              <a:spcAft>
+                <a:spcPts val="0"/>
+              </a:spcAft>
+              <a:buNone/>
+            </a:pPr>
+            <a:r>
+              <a:t/>
+            </a:r>
+            <a:endParaRPr/>
+          </a:p>
+        </p:txBody>
+      </p:sp>
       <p:graphicFrame>
         <p:nvGraphicFramePr>
-          <p:cNvPr id="112" name="Google Shape;112;p16"/>
+          <p:cNvPr id="116" name="Google Shape;116;p16"/>
           <p:cNvGraphicFramePr/>
           <p:nvPr/>
         </p:nvGraphicFramePr>
         <p:xfrm>
-          <a:off x="5325525" y="3563488"/>
+          <a:off x="5598525" y="2855125"/>
           <a:ext cx="3000000" cy="3000000"/>
         </p:xfrm>
         <a:graphic>
@@ -9447,12 +9583,12 @@
             <a:tbl>
               <a:tblPr>
                 <a:noFill/>
-                <a:tableStyleId>{C7E6CFDC-BEEB-473F-80D9-FCCFB421BF3D}</a:tableStyleId>
+                <a:tableStyleId>{2665D0F1-BE63-4A82-B196-FC7E924B4079}</a:tableStyleId>
               </a:tblPr>
               <a:tblGrid>
-                <a:gridCol w="646125"/>
+                <a:gridCol w="763225"/>
               </a:tblGrid>
-              <a:tr h="274300">
+              <a:tr h="332800">
                 <a:tc>
                   <a:txBody>
                     <a:bodyPr/>
@@ -9469,7 +9605,122 @@
                       </a:pPr>
                       <a:r>
                         <a:rPr lang="en" sz="600"/>
-                        <a:t>Review</a:t>
+                        <a:t>MoviestoDirector</a:t>
+                      </a:r>
+                      <a:endParaRPr sz="600"/>
+                    </a:p>
+                  </a:txBody>
+                  <a:tcPr marT="91425" marB="91425" marR="91425" marL="91425"/>
+                </a:tc>
+              </a:tr>
+              <a:tr h="249600">
+                <a:tc>
+                  <a:txBody>
+                    <a:bodyPr/>
+                    <a:lstStyle/>
+                    <a:p>
+                      <a:pPr indent="0" lvl="0" marL="0" rtl="0" algn="l">
+                        <a:spcBef>
+                          <a:spcPts val="0"/>
+                        </a:spcBef>
+                        <a:spcAft>
+                          <a:spcPts val="0"/>
+                        </a:spcAft>
+                        <a:buNone/>
+                      </a:pPr>
+                      <a:r>
+                        <a:rPr lang="en" sz="600">
+                          <a:solidFill>
+                            <a:srgbClr val="FF0000"/>
+                          </a:solidFill>
+                        </a:rPr>
+                        <a:t>m_mid</a:t>
+                      </a:r>
+                      <a:endParaRPr sz="600">
+                        <a:solidFill>
+                          <a:srgbClr val="FF0000"/>
+                        </a:solidFill>
+                      </a:endParaRPr>
+                    </a:p>
+                  </a:txBody>
+                  <a:tcPr marT="91425" marB="91425" marR="91425" marL="91425"/>
+                </a:tc>
+              </a:tr>
+              <a:tr h="341725">
+                <a:tc>
+                  <a:txBody>
+                    <a:bodyPr/>
+                    <a:lstStyle/>
+                    <a:p>
+                      <a:pPr indent="0" lvl="0" marL="0" rtl="0" algn="l">
+                        <a:spcBef>
+                          <a:spcPts val="0"/>
+                        </a:spcBef>
+                        <a:spcAft>
+                          <a:spcPts val="0"/>
+                        </a:spcAft>
+                        <a:buNone/>
+                      </a:pPr>
+                      <a:r>
+                        <a:rPr lang="en" sz="600">
+                          <a:solidFill>
+                            <a:srgbClr val="FF0000"/>
+                          </a:solidFill>
+                        </a:rPr>
+                        <a:t>di_id</a:t>
+                      </a:r>
+                      <a:endParaRPr sz="600">
+                        <a:solidFill>
+                          <a:srgbClr val="FF0000"/>
+                        </a:solidFill>
+                      </a:endParaRPr>
+                    </a:p>
+                  </a:txBody>
+                  <a:tcPr marT="91425" marB="91425" marR="91425" marL="91425"/>
+                </a:tc>
+              </a:tr>
+            </a:tbl>
+          </a:graphicData>
+        </a:graphic>
+      </p:graphicFrame>
+      <p:graphicFrame>
+        <p:nvGraphicFramePr>
+          <p:cNvPr id="117" name="Google Shape;117;p16"/>
+          <p:cNvGraphicFramePr/>
+          <p:nvPr/>
+        </p:nvGraphicFramePr>
+        <p:xfrm>
+          <a:off x="4339788" y="2953225"/>
+          <a:ext cx="3000000" cy="3000000"/>
+        </p:xfrm>
+        <a:graphic>
+          <a:graphicData uri="http://schemas.openxmlformats.org/drawingml/2006/table">
+            <a:tbl>
+              <a:tblPr>
+                <a:noFill/>
+                <a:tableStyleId>{2665D0F1-BE63-4A82-B196-FC7E924B4079}</a:tableStyleId>
+              </a:tblPr>
+              <a:tblGrid>
+                <a:gridCol w="763225"/>
+              </a:tblGrid>
+              <a:tr h="365725">
+                <a:tc>
+                  <a:txBody>
+                    <a:bodyPr/>
+                    <a:lstStyle/>
+                    <a:p>
+                      <a:pPr indent="0" lvl="0" marL="0" rtl="0" algn="l">
+                        <a:spcBef>
+                          <a:spcPts val="0"/>
+                        </a:spcBef>
+                        <a:spcAft>
+                          <a:spcPts val="0"/>
+                        </a:spcAft>
+                        <a:buNone/>
+                      </a:pPr>
+                      <a:r>
+                        <a:rPr lang="en" sz="600"/>
+                        <a:t>MoviestoGenre</a:t>
                       </a:r>
                       <a:endParaRPr sz="600"/>
                     </a:p>
@@ -9493,10 +9744,18 @@
                         <a:buNone/>
                       </a:pPr>
                       <a:r>
-                        <a:rPr lang="en" sz="600" u="sng"/>
-                        <a:t>re_id</a:t>
+                        <a:rPr lang="en" sz="600">
+                          <a:solidFill>
+                            <a:srgbClr val="FF0000"/>
+                          </a:solidFill>
+                        </a:rPr>
+                        <a:t>g_gid</a:t>
                       </a:r>
-                      <a:endParaRPr sz="600" u="sng"/>
+                      <a:endParaRPr sz="600">
+                        <a:solidFill>
+                          <a:srgbClr val="FF0000"/>
+                        </a:solidFill>
+                      </a:endParaRPr>
                     </a:p>
                   </a:txBody>
                   <a:tcPr marT="91425" marB="91425" marR="91425" marL="91425"/>
@@ -9535,157 +9794,20 @@
                   <a:tcPr marT="91425" marB="91425" marR="91425" marL="91425"/>
                 </a:tc>
               </a:tr>
-              <a:tr h="375525">
-                <a:tc>
-                  <a:txBody>
-                    <a:bodyPr/>
-                    <a:lstStyle/>
-                    <a:p>
-                      <a:pPr indent="0" lvl="0" marL="0" rtl="0" algn="l">
-                        <a:spcBef>
-                          <a:spcPts val="0"/>
-                        </a:spcBef>
-                        <a:spcAft>
-                          <a:spcPts val="0"/>
-                        </a:spcAft>
-                        <a:buNone/>
-                      </a:pPr>
-                      <a:r>
-                        <a:rPr lang="en" sz="600"/>
-                        <a:t>Other*</a:t>
-                      </a:r>
-                      <a:endParaRPr sz="600"/>
-                    </a:p>
-                  </a:txBody>
-                  <a:tcPr marT="91425" marB="91425" marR="91425" marL="91425"/>
-                </a:tc>
-              </a:tr>
             </a:tbl>
           </a:graphicData>
         </a:graphic>
       </p:graphicFrame>
-      <p:cxnSp>
-        <p:nvCxnSpPr>
-          <p:cNvPr id="113" name="Google Shape;113;p16"/>
-          <p:cNvCxnSpPr>
-            <a:stCxn id="103" idx="3"/>
-          </p:cNvCxnSpPr>
-          <p:nvPr/>
-        </p:nvCxnSpPr>
-        <p:spPr>
-          <a:xfrm>
-            <a:off x="5236800" y="2236213"/>
-            <a:ext cx="2663700" cy="183000"/>
-          </a:xfrm>
-          <a:prstGeom prst="straightConnector1">
-            <a:avLst/>
-          </a:prstGeom>
-          <a:noFill/>
-          <a:ln cap="flat" cmpd="sng" w="9525">
-            <a:solidFill>
-              <a:schemeClr val="dk2"/>
-            </a:solidFill>
-            <a:prstDash val="solid"/>
-            <a:round/>
-            <a:headEnd len="med" w="med" type="none"/>
-            <a:tailEnd len="med" w="med" type="none"/>
-          </a:ln>
-        </p:spPr>
-      </p:cxnSp>
-      <p:cxnSp>
-        <p:nvCxnSpPr>
-          <p:cNvPr id="114" name="Google Shape;114;p16"/>
-          <p:cNvCxnSpPr>
-            <a:stCxn id="103" idx="3"/>
-          </p:cNvCxnSpPr>
-          <p:nvPr/>
-        </p:nvCxnSpPr>
-        <p:spPr>
-          <a:xfrm>
-            <a:off x="5236800" y="2236213"/>
-            <a:ext cx="2336700" cy="782400"/>
-          </a:xfrm>
-          <a:prstGeom prst="straightConnector1">
-            <a:avLst/>
-          </a:prstGeom>
-          <a:noFill/>
-          <a:ln cap="flat" cmpd="sng" w="9525">
-            <a:solidFill>
-              <a:schemeClr val="dk2"/>
-            </a:solidFill>
-            <a:prstDash val="solid"/>
-            <a:round/>
-            <a:headEnd len="med" w="med" type="none"/>
-            <a:tailEnd len="med" w="med" type="none"/>
-          </a:ln>
-        </p:spPr>
-      </p:cxnSp>
-      <p:cxnSp>
-        <p:nvCxnSpPr>
-          <p:cNvPr id="115" name="Google Shape;115;p16"/>
-          <p:cNvCxnSpPr>
-            <a:stCxn id="103" idx="3"/>
-          </p:cNvCxnSpPr>
-          <p:nvPr/>
-        </p:nvCxnSpPr>
-        <p:spPr>
-          <a:xfrm>
-            <a:off x="5236800" y="2236213"/>
-            <a:ext cx="1331700" cy="1243200"/>
-          </a:xfrm>
-          <a:prstGeom prst="straightConnector1">
-            <a:avLst/>
-          </a:prstGeom>
-          <a:noFill/>
-          <a:ln cap="flat" cmpd="sng" w="9525">
-            <a:solidFill>
-              <a:schemeClr val="dk2"/>
-            </a:solidFill>
-            <a:prstDash val="solid"/>
-            <a:round/>
-            <a:headEnd len="med" w="med" type="none"/>
-            <a:tailEnd len="med" w="med" type="none"/>
-          </a:ln>
-        </p:spPr>
-      </p:cxnSp>
-      <p:cxnSp>
-        <p:nvCxnSpPr>
-          <p:cNvPr id="116" name="Google Shape;116;p16"/>
-          <p:cNvCxnSpPr>
-            <a:stCxn id="103" idx="3"/>
-          </p:cNvCxnSpPr>
-          <p:nvPr/>
-        </p:nvCxnSpPr>
-        <p:spPr>
-          <a:xfrm>
-            <a:off x="5236800" y="2236213"/>
-            <a:ext cx="397200" cy="1327200"/>
-          </a:xfrm>
-          <a:prstGeom prst="straightConnector1">
-            <a:avLst/>
-          </a:prstGeom>
-          <a:noFill/>
-          <a:ln cap="flat" cmpd="sng" w="9525">
-            <a:solidFill>
-              <a:schemeClr val="dk2"/>
-            </a:solidFill>
-            <a:prstDash val="solid"/>
-            <a:round/>
-            <a:headEnd len="med" w="med" type="none"/>
-            <a:tailEnd len="med" w="med" type="none"/>
-          </a:ln>
-        </p:spPr>
-      </p:cxnSp>
       <p:sp>
         <p:nvSpPr>
-          <p:cNvPr id="117" name="Google Shape;117;p16"/>
+          <p:cNvPr id="118" name="Google Shape;118;p16"/>
           <p:cNvSpPr/>
           <p:nvPr/>
         </p:nvSpPr>
         <p:spPr>
-          <a:xfrm rot="-2537768">
-            <a:off x="5483523" y="1686011"/>
-            <a:ext cx="566599" cy="218107"/>
+          <a:xfrm rot="-2474580">
+            <a:off x="5506155" y="1600692"/>
+            <a:ext cx="566549" cy="218125"/>
           </a:xfrm>
           <a:prstGeom prst="leftArrow">
             <a:avLst>
@@ -9730,14 +9852,118 @@
       </p:sp>
       <p:sp>
         <p:nvSpPr>
-          <p:cNvPr id="118" name="Google Shape;118;p16"/>
+          <p:cNvPr id="119" name="Google Shape;119;p16"/>
           <p:cNvSpPr/>
           <p:nvPr/>
         </p:nvSpPr>
         <p:spPr>
-          <a:xfrm rot="4437275">
-            <a:off x="5225227" y="2999416"/>
-            <a:ext cx="566572" cy="217909"/>
+          <a:xfrm rot="-420990">
+            <a:off x="6279905" y="2070606"/>
+            <a:ext cx="569767" cy="165661"/>
+          </a:xfrm>
+          <a:prstGeom prst="leftRightArrow">
+            <a:avLst>
+              <a:gd fmla="val 50000" name="adj1"/>
+              <a:gd fmla="val 50000" name="adj2"/>
+            </a:avLst>
+          </a:prstGeom>
+          <a:solidFill>
+            <a:schemeClr val="lt2"/>
+          </a:solidFill>
+          <a:ln cap="flat" cmpd="sng" w="9525">
+            <a:solidFill>
+              <a:schemeClr val="dk2"/>
+            </a:solidFill>
+            <a:prstDash val="solid"/>
+            <a:round/>
+            <a:headEnd len="sm" w="sm" type="none"/>
+            <a:tailEnd len="sm" w="sm" type="none"/>
+          </a:ln>
+        </p:spPr>
+        <p:txBody>
+          <a:bodyPr anchorCtr="0" anchor="ctr" bIns="91425" lIns="91425" spcFirstLastPara="1" rIns="91425" wrap="square" tIns="91425">
+            <a:noAutofit/>
+          </a:bodyPr>
+          <a:lstStyle/>
+          <a:p>
+            <a:pPr indent="0" lvl="0" marL="0" rtl="0" algn="l">
+              <a:spcBef>
+                <a:spcPts val="0"/>
+              </a:spcBef>
+              <a:spcAft>
+                <a:spcPts val="0"/>
+              </a:spcAft>
+              <a:buNone/>
+            </a:pPr>
+            <a:r>
+              <a:t/>
+            </a:r>
+            <a:endParaRPr/>
+          </a:p>
+        </p:txBody>
+      </p:sp>
+      <p:cxnSp>
+        <p:nvCxnSpPr>
+          <p:cNvPr id="120" name="Google Shape;120;p16"/>
+          <p:cNvCxnSpPr/>
+          <p:nvPr/>
+        </p:nvCxnSpPr>
+        <p:spPr>
+          <a:xfrm flipH="1">
+            <a:off x="3966700" y="3792250"/>
+            <a:ext cx="381300" cy="414000"/>
+          </a:xfrm>
+          <a:prstGeom prst="straightConnector1">
+            <a:avLst/>
+          </a:prstGeom>
+          <a:noFill/>
+          <a:ln cap="flat" cmpd="sng" w="9525">
+            <a:solidFill>
+              <a:schemeClr val="dk2"/>
+            </a:solidFill>
+            <a:prstDash val="solid"/>
+            <a:round/>
+            <a:headEnd len="med" w="med" type="none"/>
+            <a:tailEnd len="med" w="med" type="none"/>
+          </a:ln>
+        </p:spPr>
+      </p:cxnSp>
+      <p:cxnSp>
+        <p:nvCxnSpPr>
+          <p:cNvPr id="121" name="Google Shape;121;p16"/>
+          <p:cNvCxnSpPr/>
+          <p:nvPr/>
+        </p:nvCxnSpPr>
+        <p:spPr>
+          <a:xfrm>
+            <a:off x="6352988" y="3462225"/>
+            <a:ext cx="490500" cy="217800"/>
+          </a:xfrm>
+          <a:prstGeom prst="straightConnector1">
+            <a:avLst/>
+          </a:prstGeom>
+          <a:noFill/>
+          <a:ln cap="flat" cmpd="sng" w="9525">
+            <a:solidFill>
+              <a:schemeClr val="dk2"/>
+            </a:solidFill>
+            <a:prstDash val="solid"/>
+            <a:round/>
+            <a:headEnd len="med" w="med" type="none"/>
+            <a:tailEnd len="med" w="med" type="none"/>
+          </a:ln>
+        </p:spPr>
+      </p:cxnSp>
+      <p:sp>
+        <p:nvSpPr>
+          <p:cNvPr id="122" name="Google Shape;122;p16"/>
+          <p:cNvSpPr/>
+          <p:nvPr/>
+        </p:nvSpPr>
+        <p:spPr>
+          <a:xfrm rot="-4178779">
+            <a:off x="4819785" y="2485534"/>
+            <a:ext cx="566682" cy="218225"/>
           </a:xfrm>
           <a:prstGeom prst="leftArrow">
             <a:avLst>
@@ -9782,14 +10008,14 @@
       </p:sp>
       <p:sp>
         <p:nvSpPr>
-          <p:cNvPr id="119" name="Google Shape;119;p16"/>
+          <p:cNvPr id="123" name="Google Shape;123;p16"/>
           <p:cNvSpPr/>
           <p:nvPr/>
         </p:nvSpPr>
         <p:spPr>
-          <a:xfrm rot="1449764">
-            <a:off x="6480134" y="2653669"/>
-            <a:ext cx="566536" cy="218068"/>
+          <a:xfrm rot="8097425">
+            <a:off x="3936599" y="3908572"/>
+            <a:ext cx="566393" cy="218072"/>
           </a:xfrm>
           <a:prstGeom prst="leftArrow">
             <a:avLst>
@@ -9834,16 +10060,16 @@
       </p:sp>
       <p:sp>
         <p:nvSpPr>
-          <p:cNvPr id="120" name="Google Shape;120;p16"/>
+          <p:cNvPr id="124" name="Google Shape;124;p16"/>
           <p:cNvSpPr/>
           <p:nvPr/>
         </p:nvSpPr>
         <p:spPr>
-          <a:xfrm rot="-146877">
-            <a:off x="5908144" y="2055693"/>
-            <a:ext cx="646190" cy="195481"/>
+          <a:xfrm rot="1947154">
+            <a:off x="6315077" y="3462132"/>
+            <a:ext cx="566342" cy="217964"/>
           </a:xfrm>
-          <a:prstGeom prst="leftRightArrow">
+          <a:prstGeom prst="leftArrow">
             <a:avLst>
               <a:gd fmla="val 50000" name="adj1"/>
               <a:gd fmla="val 50000" name="adj2"/>
@@ -9884,6 +10110,58 @@
           </a:p>
         </p:txBody>
       </p:sp>
+      <p:sp>
+        <p:nvSpPr>
+          <p:cNvPr id="125" name="Google Shape;125;p16"/>
+          <p:cNvSpPr/>
+          <p:nvPr/>
+        </p:nvSpPr>
+        <p:spPr>
+          <a:xfrm rot="-7737505">
+            <a:off x="5275956" y="2518352"/>
+            <a:ext cx="566356" cy="218006"/>
+          </a:xfrm>
+          <a:prstGeom prst="leftArrow">
+            <a:avLst>
+              <a:gd fmla="val 50000" name="adj1"/>
+              <a:gd fmla="val 50000" name="adj2"/>
+            </a:avLst>
+          </a:prstGeom>
+          <a:solidFill>
+            <a:schemeClr val="lt2"/>
+          </a:solidFill>
+          <a:ln cap="flat" cmpd="sng" w="9525">
+            <a:solidFill>
+              <a:schemeClr val="dk2"/>
+            </a:solidFill>
+            <a:prstDash val="solid"/>
+            <a:round/>
+            <a:headEnd len="sm" w="sm" type="none"/>
+            <a:tailEnd len="sm" w="sm" type="none"/>
+          </a:ln>
+        </p:spPr>
+        <p:txBody>
+          <a:bodyPr anchorCtr="0" anchor="ctr" bIns="91425" lIns="91425" spcFirstLastPara="1" rIns="91425" wrap="square" tIns="91425">
+            <a:noAutofit/>
+          </a:bodyPr>
+          <a:lstStyle/>
+          <a:p>
+            <a:pPr indent="0" lvl="0" marL="0" rtl="0" algn="l">
+              <a:spcBef>
+                <a:spcPts val="0"/>
+              </a:spcBef>
+              <a:spcAft>
+                <a:spcPts val="0"/>
+              </a:spcAft>
+              <a:buNone/>
+            </a:pPr>
+            <a:r>
+              <a:t/>
+            </a:r>
+            <a:endParaRPr/>
+          </a:p>
+        </p:txBody>
+      </p:sp>
     </p:spTree>
   </p:cSld>
   <p:clrMapOvr>
@@ -9897,7 +10175,7 @@
   <p:cSld>
     <p:spTree>
       <p:nvGrpSpPr>
-        <p:cNvPr id="124" name="Shape 124"/>
+        <p:cNvPr id="129" name="Shape 129"/>
         <p:cNvGrpSpPr/>
         <p:nvPr/>
       </p:nvGrpSpPr>
@@ -9911,7 +10189,7 @@
       </p:grpSpPr>
       <p:sp>
         <p:nvSpPr>
-          <p:cNvPr id="125" name="Google Shape;125;p17"/>
+          <p:cNvPr id="130" name="Google Shape;130;p17"/>
           <p:cNvSpPr txBox="1"/>
           <p:nvPr>
             <p:ph type="title"/>
@@ -9951,7 +10229,7 @@
       </p:sp>
       <p:sp>
         <p:nvSpPr>
-          <p:cNvPr id="126" name="Google Shape;126;p17"/>
+          <p:cNvPr id="131" name="Google Shape;131;p17"/>
           <p:cNvSpPr txBox="1"/>
           <p:nvPr>
             <p:ph idx="1" type="body"/>
@@ -9992,27 +10270,7 @@
             </a:r>
             <a:r>
               <a:rPr lang="en"/>
-              <a:t>, </a:t>
-            </a:r>
-            <a:r>
-              <a:rPr lang="en">
-                <a:solidFill>
-                  <a:srgbClr val="FF0000"/>
-                </a:solidFill>
-              </a:rPr>
-              <a:t>m</a:t>
-            </a:r>
-            <a:r>
-              <a:rPr lang="en">
-                <a:solidFill>
-                  <a:srgbClr val="FF0000"/>
-                </a:solidFill>
-              </a:rPr>
-              <a:t>_mid</a:t>
-            </a:r>
-            <a:r>
-              <a:rPr lang="en"/>
-              <a:t>, da_relyr</a:t>
+              <a:t>, da_releaseyear</a:t>
             </a:r>
             <a:endParaRPr/>
           </a:p>
@@ -10034,18 +10292,6 @@
             <a:r>
               <a:rPr lang="en" u="sng"/>
               <a:t>du_id</a:t>
-            </a:r>
-            <a:r>
-              <a:rPr lang="en"/>
-              <a:t>, </a:t>
-            </a:r>
-            <a:r>
-              <a:rPr lang="en">
-                <a:solidFill>
-                  <a:srgbClr val="FF0000"/>
-                </a:solidFill>
-              </a:rPr>
-              <a:t>m_mid</a:t>
             </a:r>
             <a:r>
               <a:rPr lang="en"/>
@@ -10077,16 +10323,12 @@
               <a:t>, </a:t>
             </a:r>
             <a:r>
-              <a:rPr lang="en">
-                <a:solidFill>
-                  <a:srgbClr val="FF0000"/>
-                </a:solidFill>
-              </a:rPr>
-              <a:t>g_gid</a:t>
+              <a:rPr lang="en"/>
+              <a:t>m_title,</a:t>
             </a:r>
             <a:r>
               <a:rPr lang="en"/>
-              <a:t>, </a:t>
+              <a:t> </a:t>
             </a:r>
             <a:r>
               <a:rPr lang="en">
@@ -10106,11 +10348,23 @@
                   <a:srgbClr val="FF0000"/>
                 </a:solidFill>
               </a:rPr>
-              <a:t>re_id</a:t>
+              <a:t>da_id</a:t>
             </a:r>
             <a:r>
               <a:rPr lang="en"/>
-              <a:t>, m_title</a:t>
+              <a:t>, </a:t>
+            </a:r>
+            <a:r>
+              <a:rPr lang="en">
+                <a:solidFill>
+                  <a:srgbClr val="FF0000"/>
+                </a:solidFill>
+              </a:rPr>
+              <a:t>du_id</a:t>
+            </a:r>
+            <a:r>
+              <a:rPr lang="en"/>
+              <a:t>, </a:t>
             </a:r>
             <a:endParaRPr/>
           </a:p>
@@ -10152,6 +10406,84 @@
             </a:pPr>
             <a:r>
               <a:rPr lang="en"/>
+              <a:t>Movie-Genre: </a:t>
+            </a:r>
+            <a:r>
+              <a:rPr lang="en">
+                <a:solidFill>
+                  <a:srgbClr val="FF0000"/>
+                </a:solidFill>
+              </a:rPr>
+              <a:t>m_mid</a:t>
+            </a:r>
+            <a:r>
+              <a:rPr lang="en"/>
+              <a:t>, </a:t>
+            </a:r>
+            <a:r>
+              <a:rPr lang="en">
+                <a:solidFill>
+                  <a:srgbClr val="FF0000"/>
+                </a:solidFill>
+              </a:rPr>
+              <a:t>g_gid</a:t>
+            </a:r>
+            <a:endParaRPr>
+              <a:solidFill>
+                <a:srgbClr val="FF0000"/>
+              </a:solidFill>
+            </a:endParaRPr>
+          </a:p>
+          <a:p>
+            <a:pPr indent="-325755" lvl="0" marL="457200" rtl="0" algn="l">
+              <a:spcBef>
+                <a:spcPts val="0"/>
+              </a:spcBef>
+              <a:spcAft>
+                <a:spcPts val="0"/>
+              </a:spcAft>
+              <a:buSzPct val="100000"/>
+              <a:buChar char="●"/>
+            </a:pPr>
+            <a:r>
+              <a:rPr lang="en"/>
+              <a:t>Movie-Director: </a:t>
+            </a:r>
+            <a:r>
+              <a:rPr lang="en">
+                <a:solidFill>
+                  <a:srgbClr val="FF0000"/>
+                </a:solidFill>
+              </a:rPr>
+              <a:t>m_mid</a:t>
+            </a:r>
+            <a:r>
+              <a:rPr lang="en"/>
+              <a:t>, </a:t>
+            </a:r>
+            <a:r>
+              <a:rPr lang="en">
+                <a:solidFill>
+                  <a:srgbClr val="FF0000"/>
+                </a:solidFill>
+              </a:rPr>
+              <a:t>di_id</a:t>
+            </a:r>
+            <a:endParaRPr/>
+          </a:p>
+          <a:p>
+            <a:pPr indent="-325755" lvl="0" marL="457200" rtl="0" algn="l">
+              <a:spcBef>
+                <a:spcPts val="0"/>
+              </a:spcBef>
+              <a:spcAft>
+                <a:spcPts val="0"/>
+              </a:spcAft>
+              <a:buSzPct val="100000"/>
+              <a:buChar char="●"/>
+            </a:pPr>
+            <a:r>
+              <a:rPr lang="en"/>
               <a:t>Ratings: </a:t>
             </a:r>
             <a:r>
@@ -10161,31 +10493,6 @@
             <a:r>
               <a:rPr lang="en"/>
               <a:t>, ra_ratings</a:t>
-            </a:r>
-            <a:endParaRPr/>
-          </a:p>
-          <a:p>
-            <a:pPr indent="-325755" lvl="0" marL="457200" rtl="0" algn="l">
-              <a:spcBef>
-                <a:spcPts val="0"/>
-              </a:spcBef>
-              <a:spcAft>
-                <a:spcPts val="0"/>
-              </a:spcAft>
-              <a:buSzPct val="100000"/>
-              <a:buChar char="●"/>
-            </a:pPr>
-            <a:r>
-              <a:rPr lang="en"/>
-              <a:t>Reviews: </a:t>
-            </a:r>
-            <a:r>
-              <a:rPr lang="en" u="sng"/>
-              <a:t>re_id</a:t>
-            </a:r>
-            <a:r>
-              <a:rPr lang="en"/>
-              <a:t>, re_imbdid, re_review</a:t>
             </a:r>
             <a:endParaRPr/>
           </a:p>
@@ -10214,27 +10521,7 @@
             </a:r>
             <a:r>
               <a:rPr lang="en"/>
-              <a:t>, </a:t>
-            </a:r>
-            <a:r>
-              <a:rPr lang="en">
-                <a:solidFill>
-                  <a:srgbClr val="FF0000"/>
-                </a:solidFill>
-              </a:rPr>
-              <a:t>m</a:t>
-            </a:r>
-            <a:r>
-              <a:rPr lang="en">
-                <a:solidFill>
-                  <a:srgbClr val="FF0000"/>
-                </a:solidFill>
-              </a:rPr>
-              <a:t>_mid</a:t>
-            </a:r>
-            <a:r>
-              <a:rPr lang="en"/>
-              <a:t>, di_dname, di_dname2</a:t>
+              <a:t>, di_diname</a:t>
             </a:r>
             <a:endParaRPr>
               <a:solidFill>
@@ -10275,31 +10562,7 @@
             </a:r>
             <a:r>
               <a:rPr lang="en"/>
-              <a:t>, u_watching, u_watched, u_towatch, </a:t>
-            </a:r>
-            <a:r>
-              <a:rPr lang="en"/>
-              <a:t>u</a:t>
-            </a:r>
-            <a:r>
-              <a:rPr lang="en"/>
-              <a:t>_title, </a:t>
-            </a:r>
-            <a:r>
-              <a:rPr lang="en"/>
-              <a:t>u</a:t>
-            </a:r>
-            <a:r>
-              <a:rPr lang="en"/>
-              <a:t>_gname, u_di</a:t>
-            </a:r>
-            <a:r>
-              <a:rPr lang="en"/>
-              <a:t>rector</a:t>
-            </a:r>
-            <a:r>
-              <a:rPr lang="en"/>
-              <a:t>, u_director2, u_runtime, u_releaseyear</a:t>
+              <a:t>, u_watching, u_watched, u_towatch</a:t>
             </a:r>
             <a:endParaRPr/>
           </a:p>
@@ -10366,7 +10629,7 @@
             </a:r>
             <a:r>
               <a:rPr lang="en"/>
-              <a:t> Movies to Director</a:t>
+              <a:t> Movies to Director (connected via join tables)</a:t>
             </a:r>
             <a:endParaRPr/>
           </a:p>
@@ -10385,7 +10648,7 @@
   <p:cSld>
     <p:spTree>
       <p:nvGrpSpPr>
-        <p:cNvPr id="130" name="Shape 130"/>
+        <p:cNvPr id="135" name="Shape 135"/>
         <p:cNvGrpSpPr/>
         <p:nvPr/>
       </p:nvGrpSpPr>
@@ -10399,7 +10662,7 @@
       </p:grpSpPr>
       <p:sp>
         <p:nvSpPr>
-          <p:cNvPr id="131" name="Google Shape;131;p18"/>
+          <p:cNvPr id="136" name="Google Shape;136;p18"/>
           <p:cNvSpPr txBox="1"/>
           <p:nvPr>
             <p:ph type="title"/>
@@ -10439,7 +10702,7 @@
       </p:sp>
       <p:sp>
         <p:nvSpPr>
-          <p:cNvPr id="132" name="Google Shape;132;p18"/>
+          <p:cNvPr id="137" name="Google Shape;137;p18"/>
           <p:cNvSpPr txBox="1"/>
           <p:nvPr>
             <p:ph idx="1" type="body"/>
@@ -10527,7 +10790,7 @@
       </p:sp>
       <p:pic>
         <p:nvPicPr>
-          <p:cNvPr id="133" name="Google Shape;133;p18"/>
+          <p:cNvPr id="138" name="Google Shape;138;p18"/>
           <p:cNvPicPr preferRelativeResize="0"/>
           <p:nvPr/>
         </p:nvPicPr>
@@ -10555,7 +10818,7 @@
       </p:pic>
       <p:pic>
         <p:nvPicPr>
-          <p:cNvPr id="134" name="Google Shape;134;p18"/>
+          <p:cNvPr id="139" name="Google Shape;139;p18"/>
           <p:cNvPicPr preferRelativeResize="0"/>
           <p:nvPr/>
         </p:nvPicPr>
@@ -10583,7 +10846,7 @@
       </p:pic>
       <p:pic>
         <p:nvPicPr>
-          <p:cNvPr id="135" name="Google Shape;135;p18"/>
+          <p:cNvPr id="140" name="Google Shape;140;p18"/>
           <p:cNvPicPr preferRelativeResize="0"/>
           <p:nvPr/>
         </p:nvPicPr>
@@ -10611,7 +10874,7 @@
       </p:pic>
       <p:pic>
         <p:nvPicPr>
-          <p:cNvPr id="136" name="Google Shape;136;p18"/>
+          <p:cNvPr id="141" name="Google Shape;141;p18"/>
           <p:cNvPicPr preferRelativeResize="0"/>
           <p:nvPr/>
         </p:nvPicPr>
